--- a/Retail Landscape by State.pptx
+++ b/Retail Landscape by State.pptx
@@ -28928,8 +28928,38 @@
         </p:blipFill>
         <p:spPr>
           <a:xfrm>
-            <a:off x="0" y="1404814"/>
-            <a:ext cx="12192000" cy="2287121"/>
+            <a:off x="172994" y="1437266"/>
+            <a:ext cx="12019005" cy="2254669"/>
+          </a:xfrm>
+          <a:prstGeom prst="rect">
+            <a:avLst/>
+          </a:prstGeom>
+        </p:spPr>
+      </p:pic>
+      <p:pic>
+        <p:nvPicPr>
+          <p:cNvPr id="5" name="Picture 4">
+            <a:extLst>
+              <a:ext uri="{FF2B5EF4-FFF2-40B4-BE49-F238E27FC236}">
+                <a16:creationId xmlns:a16="http://schemas.microsoft.com/office/drawing/2014/main" id="{C79AD016-FC80-4B57-A0B9-03A94ECA2F11}"/>
+              </a:ext>
+            </a:extLst>
+          </p:cNvPr>
+          <p:cNvPicPr>
+            <a:picLocks noChangeAspect="1"/>
+          </p:cNvPicPr>
+          <p:nvPr/>
+        </p:nvPicPr>
+        <p:blipFill>
+          <a:blip r:embed="rId3"/>
+          <a:stretch>
+            <a:fillRect/>
+          </a:stretch>
+        </p:blipFill>
+        <p:spPr>
+          <a:xfrm>
+            <a:off x="172994" y="4006503"/>
+            <a:ext cx="11774543" cy="2486372"/>
           </a:xfrm>
           <a:prstGeom prst="rect">
             <a:avLst/>
@@ -29138,86 +29168,6 @@
       </p:grpSpPr>
       <p:sp>
         <p:nvSpPr>
-          <p:cNvPr id="4" name="Content Placeholder 3">
-            <a:extLst>
-              <a:ext uri="{FF2B5EF4-FFF2-40B4-BE49-F238E27FC236}">
-                <a16:creationId xmlns:a16="http://schemas.microsoft.com/office/drawing/2014/main" id="{E3D213CA-79C0-42D2-A7A5-4B0B2BC011B1}"/>
-              </a:ext>
-            </a:extLst>
-          </p:cNvPr>
-          <p:cNvSpPr>
-            <a:spLocks noGrp="1"/>
-          </p:cNvSpPr>
-          <p:nvPr>
-            <p:ph sz="half" idx="2"/>
-          </p:nvPr>
-        </p:nvSpPr>
-        <p:spPr>
-          <a:xfrm>
-            <a:off x="8333025" y="868680"/>
-            <a:ext cx="3474720" cy="5120640"/>
-          </a:xfrm>
-        </p:spPr>
-        <p:txBody>
-          <a:bodyPr/>
-          <a:lstStyle/>
-          <a:p>
-            <a:r>
-              <a:rPr lang="en-US" dirty="0"/>
-              <a:t>X axis – Number of stores</a:t>
-            </a:r>
-          </a:p>
-          <a:p>
-            <a:r>
-              <a:rPr lang="en-US" dirty="0"/>
-              <a:t>Y axis – State </a:t>
-            </a:r>
-          </a:p>
-          <a:p>
-            <a:r>
-              <a:rPr lang="en-US" dirty="0"/>
-              <a:t>Size – Housing Price (Larger the Bubble plot, higher the price)</a:t>
-            </a:r>
-          </a:p>
-        </p:txBody>
-      </p:sp>
-      <p:pic>
-        <p:nvPicPr>
-          <p:cNvPr id="8" name="Content Placeholder 7">
-            <a:extLst>
-              <a:ext uri="{FF2B5EF4-FFF2-40B4-BE49-F238E27FC236}">
-                <a16:creationId xmlns:a16="http://schemas.microsoft.com/office/drawing/2014/main" id="{89D78BFD-63FC-4A9A-975A-9E1697AE385F}"/>
-              </a:ext>
-            </a:extLst>
-          </p:cNvPr>
-          <p:cNvPicPr>
-            <a:picLocks noGrp="1" noChangeAspect="1"/>
-          </p:cNvPicPr>
-          <p:nvPr>
-            <p:ph sz="half" idx="1"/>
-          </p:nvPr>
-        </p:nvPicPr>
-        <p:blipFill>
-          <a:blip r:embed="rId2">
-            <a:extLst>
-              <a:ext uri="{28A0092B-C50C-407E-A947-70E740481C1C}">
-                <a14:useLocalDpi xmlns:a14="http://schemas.microsoft.com/office/drawing/2010/main" val="0"/>
-              </a:ext>
-            </a:extLst>
-          </a:blip>
-          <a:stretch>
-            <a:fillRect/>
-          </a:stretch>
-        </p:blipFill>
-        <p:spPr>
-          <a:xfrm>
-            <a:off x="3439357" y="868680"/>
-            <a:ext cx="5010665" cy="5557605"/>
-          </a:xfrm>
-        </p:spPr>
-      </p:pic>
-      <p:sp>
-        <p:nvSpPr>
           <p:cNvPr id="5" name="Title 1">
             <a:extLst>
               <a:ext uri="{FF2B5EF4-FFF2-40B4-BE49-F238E27FC236}">
@@ -29267,6 +29217,331 @@
             <a:r>
               <a:rPr lang="en-US" dirty="0"/>
               <a:t>Housing Price by State, Store Count</a:t>
+            </a:r>
+          </a:p>
+        </p:txBody>
+      </p:sp>
+      <p:pic>
+        <p:nvPicPr>
+          <p:cNvPr id="7" name="Content Placeholder 6">
+            <a:extLst>
+              <a:ext uri="{FF2B5EF4-FFF2-40B4-BE49-F238E27FC236}">
+                <a16:creationId xmlns:a16="http://schemas.microsoft.com/office/drawing/2014/main" id="{E3AB076D-BFA5-4D44-BC5B-04B56E678C90}"/>
+              </a:ext>
+            </a:extLst>
+          </p:cNvPr>
+          <p:cNvPicPr>
+            <a:picLocks noChangeAspect="1"/>
+          </p:cNvPicPr>
+          <p:nvPr/>
+        </p:nvPicPr>
+        <p:blipFill>
+          <a:blip r:embed="rId2">
+            <a:extLst>
+              <a:ext uri="{28A0092B-C50C-407E-A947-70E740481C1C}">
+                <a14:useLocalDpi xmlns:a14="http://schemas.microsoft.com/office/drawing/2010/main" val="0"/>
+              </a:ext>
+            </a:extLst>
+          </a:blip>
+          <a:stretch>
+            <a:fillRect/>
+          </a:stretch>
+        </p:blipFill>
+        <p:spPr>
+          <a:xfrm>
+            <a:off x="3444622" y="1064008"/>
+            <a:ext cx="8747378" cy="4601183"/>
+          </a:xfrm>
+          <a:prstGeom prst="rect">
+            <a:avLst/>
+          </a:prstGeom>
+        </p:spPr>
+      </p:pic>
+      <p:sp>
+        <p:nvSpPr>
+          <p:cNvPr id="9" name="Content Placeholder 3">
+            <a:extLst>
+              <a:ext uri="{FF2B5EF4-FFF2-40B4-BE49-F238E27FC236}">
+                <a16:creationId xmlns:a16="http://schemas.microsoft.com/office/drawing/2014/main" id="{552B247D-E19E-47FD-9254-568CAF924D91}"/>
+              </a:ext>
+            </a:extLst>
+          </p:cNvPr>
+          <p:cNvSpPr txBox="1">
+            <a:spLocks/>
+          </p:cNvSpPr>
+          <p:nvPr/>
+        </p:nvSpPr>
+        <p:spPr>
+          <a:xfrm>
+            <a:off x="7010400" y="0"/>
+            <a:ext cx="5181600" cy="4351338"/>
+          </a:xfrm>
+          <a:prstGeom prst="rect">
+            <a:avLst/>
+          </a:prstGeom>
+        </p:spPr>
+        <p:txBody>
+          <a:bodyPr vert="horz" lIns="91440" tIns="45720" rIns="91440" bIns="45720" rtlCol="0" anchor="ctr">
+            <a:normAutofit/>
+          </a:bodyPr>
+          <a:lstStyle>
+            <a:lvl1pPr marL="182880" indent="-182880" algn="l" defTabSz="914400" rtl="0" eaLnBrk="1" latinLnBrk="0" hangingPunct="1">
+              <a:lnSpc>
+                <a:spcPct val="90000"/>
+              </a:lnSpc>
+              <a:spcBef>
+                <a:spcPts val="1200"/>
+              </a:spcBef>
+              <a:buClr>
+                <a:schemeClr val="accent1"/>
+              </a:buClr>
+              <a:buFont typeface="Wingdings 2" pitchFamily="18" charset="2"/>
+              <a:buChar char=""/>
+              <a:defRPr sz="2000" kern="1200">
+                <a:solidFill>
+                  <a:schemeClr val="tx1">
+                    <a:lumMod val="65000"/>
+                    <a:lumOff val="35000"/>
+                  </a:schemeClr>
+                </a:solidFill>
+                <a:latin typeface="+mn-lt"/>
+                <a:ea typeface="+mn-ea"/>
+                <a:cs typeface="+mn-cs"/>
+              </a:defRPr>
+            </a:lvl1pPr>
+            <a:lvl2pPr marL="685800" indent="-182880" algn="l" defTabSz="914400" rtl="0" eaLnBrk="1" latinLnBrk="0" hangingPunct="1">
+              <a:lnSpc>
+                <a:spcPct val="90000"/>
+              </a:lnSpc>
+              <a:spcBef>
+                <a:spcPts val="250"/>
+              </a:spcBef>
+              <a:spcAft>
+                <a:spcPts val="250"/>
+              </a:spcAft>
+              <a:buClr>
+                <a:schemeClr val="accent1"/>
+              </a:buClr>
+              <a:buFont typeface="Wingdings 2" pitchFamily="18" charset="2"/>
+              <a:buChar char=""/>
+              <a:defRPr sz="1800" kern="1200">
+                <a:solidFill>
+                  <a:schemeClr val="tx1">
+                    <a:lumMod val="65000"/>
+                    <a:lumOff val="35000"/>
+                  </a:schemeClr>
+                </a:solidFill>
+                <a:latin typeface="+mn-lt"/>
+                <a:ea typeface="+mn-ea"/>
+                <a:cs typeface="+mn-cs"/>
+              </a:defRPr>
+            </a:lvl2pPr>
+            <a:lvl3pPr marL="1143000" indent="-182880" algn="l" defTabSz="914400" rtl="0" eaLnBrk="1" latinLnBrk="0" hangingPunct="1">
+              <a:lnSpc>
+                <a:spcPct val="90000"/>
+              </a:lnSpc>
+              <a:spcBef>
+                <a:spcPts val="250"/>
+              </a:spcBef>
+              <a:spcAft>
+                <a:spcPts val="250"/>
+              </a:spcAft>
+              <a:buClr>
+                <a:schemeClr val="accent1"/>
+              </a:buClr>
+              <a:buFont typeface="Wingdings 2" pitchFamily="18" charset="2"/>
+              <a:buChar char=""/>
+              <a:defRPr sz="1600" kern="1200">
+                <a:solidFill>
+                  <a:schemeClr val="tx1">
+                    <a:lumMod val="65000"/>
+                    <a:lumOff val="35000"/>
+                  </a:schemeClr>
+                </a:solidFill>
+                <a:latin typeface="+mn-lt"/>
+                <a:ea typeface="+mn-ea"/>
+                <a:cs typeface="+mn-cs"/>
+              </a:defRPr>
+            </a:lvl3pPr>
+            <a:lvl4pPr marL="1600200" indent="-182880" algn="l" defTabSz="914400" rtl="0" eaLnBrk="1" latinLnBrk="0" hangingPunct="1">
+              <a:lnSpc>
+                <a:spcPct val="90000"/>
+              </a:lnSpc>
+              <a:spcBef>
+                <a:spcPts val="250"/>
+              </a:spcBef>
+              <a:spcAft>
+                <a:spcPts val="250"/>
+              </a:spcAft>
+              <a:buClr>
+                <a:schemeClr val="accent1"/>
+              </a:buClr>
+              <a:buFont typeface="Wingdings 2" pitchFamily="18" charset="2"/>
+              <a:buChar char=""/>
+              <a:defRPr sz="1400" kern="1200">
+                <a:solidFill>
+                  <a:schemeClr val="tx1">
+                    <a:lumMod val="65000"/>
+                    <a:lumOff val="35000"/>
+                  </a:schemeClr>
+                </a:solidFill>
+                <a:latin typeface="+mn-lt"/>
+                <a:ea typeface="+mn-ea"/>
+                <a:cs typeface="+mn-cs"/>
+              </a:defRPr>
+            </a:lvl4pPr>
+            <a:lvl5pPr marL="2057400" indent="-182880" algn="l" defTabSz="914400" rtl="0" eaLnBrk="1" latinLnBrk="0" hangingPunct="1">
+              <a:lnSpc>
+                <a:spcPct val="90000"/>
+              </a:lnSpc>
+              <a:spcBef>
+                <a:spcPts val="250"/>
+              </a:spcBef>
+              <a:spcAft>
+                <a:spcPts val="250"/>
+              </a:spcAft>
+              <a:buClr>
+                <a:schemeClr val="accent1"/>
+              </a:buClr>
+              <a:buFont typeface="Wingdings 2" pitchFamily="18" charset="2"/>
+              <a:buChar char=""/>
+              <a:defRPr sz="1400" kern="1200">
+                <a:solidFill>
+                  <a:schemeClr val="tx1">
+                    <a:lumMod val="65000"/>
+                    <a:lumOff val="35000"/>
+                  </a:schemeClr>
+                </a:solidFill>
+                <a:latin typeface="+mn-lt"/>
+                <a:ea typeface="+mn-ea"/>
+                <a:cs typeface="+mn-cs"/>
+              </a:defRPr>
+            </a:lvl5pPr>
+            <a:lvl6pPr marL="2514600" indent="-228600" algn="l" defTabSz="914400" rtl="0" eaLnBrk="1" latinLnBrk="0" hangingPunct="1">
+              <a:lnSpc>
+                <a:spcPct val="90000"/>
+              </a:lnSpc>
+              <a:spcBef>
+                <a:spcPts val="250"/>
+              </a:spcBef>
+              <a:spcAft>
+                <a:spcPts val="250"/>
+              </a:spcAft>
+              <a:buClr>
+                <a:schemeClr val="accent1"/>
+              </a:buClr>
+              <a:buFont typeface="Wingdings 2" pitchFamily="18" charset="2"/>
+              <a:buChar char=""/>
+              <a:defRPr sz="1400" kern="1200">
+                <a:solidFill>
+                  <a:schemeClr val="tx1">
+                    <a:lumMod val="65000"/>
+                    <a:lumOff val="35000"/>
+                  </a:schemeClr>
+                </a:solidFill>
+                <a:latin typeface="+mn-lt"/>
+                <a:ea typeface="+mn-ea"/>
+                <a:cs typeface="+mn-cs"/>
+              </a:defRPr>
+            </a:lvl6pPr>
+            <a:lvl7pPr marL="2971800" indent="-228600" algn="l" defTabSz="914400" rtl="0" eaLnBrk="1" latinLnBrk="0" hangingPunct="1">
+              <a:lnSpc>
+                <a:spcPct val="90000"/>
+              </a:lnSpc>
+              <a:spcBef>
+                <a:spcPts val="250"/>
+              </a:spcBef>
+              <a:spcAft>
+                <a:spcPts val="250"/>
+              </a:spcAft>
+              <a:buClr>
+                <a:schemeClr val="accent1"/>
+              </a:buClr>
+              <a:buFont typeface="Wingdings 2" pitchFamily="18" charset="2"/>
+              <a:buChar char=""/>
+              <a:defRPr sz="1400" kern="1200">
+                <a:solidFill>
+                  <a:schemeClr val="tx1">
+                    <a:lumMod val="65000"/>
+                    <a:lumOff val="35000"/>
+                  </a:schemeClr>
+                </a:solidFill>
+                <a:latin typeface="+mn-lt"/>
+                <a:ea typeface="+mn-ea"/>
+                <a:cs typeface="+mn-cs"/>
+              </a:defRPr>
+            </a:lvl7pPr>
+            <a:lvl8pPr marL="3429000" indent="-228600" algn="l" defTabSz="914400" rtl="0" eaLnBrk="1" latinLnBrk="0" hangingPunct="1">
+              <a:lnSpc>
+                <a:spcPct val="90000"/>
+              </a:lnSpc>
+              <a:spcBef>
+                <a:spcPts val="250"/>
+              </a:spcBef>
+              <a:spcAft>
+                <a:spcPts val="250"/>
+              </a:spcAft>
+              <a:buClr>
+                <a:schemeClr val="accent1"/>
+              </a:buClr>
+              <a:buFont typeface="Wingdings 2" pitchFamily="18" charset="2"/>
+              <a:buChar char=""/>
+              <a:defRPr sz="1400" kern="1200">
+                <a:solidFill>
+                  <a:schemeClr val="tx1">
+                    <a:lumMod val="65000"/>
+                    <a:lumOff val="35000"/>
+                  </a:schemeClr>
+                </a:solidFill>
+                <a:latin typeface="+mn-lt"/>
+                <a:ea typeface="+mn-ea"/>
+                <a:cs typeface="+mn-cs"/>
+              </a:defRPr>
+            </a:lvl8pPr>
+            <a:lvl9pPr marL="3886200" indent="-228600" algn="l" defTabSz="914400" rtl="0" eaLnBrk="1" latinLnBrk="0" hangingPunct="1">
+              <a:lnSpc>
+                <a:spcPct val="90000"/>
+              </a:lnSpc>
+              <a:spcBef>
+                <a:spcPts val="250"/>
+              </a:spcBef>
+              <a:spcAft>
+                <a:spcPts val="250"/>
+              </a:spcAft>
+              <a:buClr>
+                <a:schemeClr val="accent1"/>
+              </a:buClr>
+              <a:buFont typeface="Wingdings 2" pitchFamily="18" charset="2"/>
+              <a:buChar char=""/>
+              <a:defRPr sz="1400" kern="1200">
+                <a:solidFill>
+                  <a:schemeClr val="tx1">
+                    <a:lumMod val="65000"/>
+                    <a:lumOff val="35000"/>
+                  </a:schemeClr>
+                </a:solidFill>
+                <a:latin typeface="+mn-lt"/>
+                <a:ea typeface="+mn-ea"/>
+                <a:cs typeface="+mn-cs"/>
+              </a:defRPr>
+            </a:lvl9pPr>
+          </a:lstStyle>
+          <a:p>
+            <a:r>
+              <a:rPr lang="en-US" dirty="0"/>
+              <a:t>X axis – Number of stores</a:t>
+            </a:r>
+          </a:p>
+          <a:p>
+            <a:r>
+              <a:rPr lang="en-US" dirty="0"/>
+              <a:t>Y axis – State </a:t>
+            </a:r>
+          </a:p>
+          <a:p>
+            <a:r>
+              <a:rPr lang="en-US" dirty="0"/>
+              <a:t>Size – Housing Price (Larger the Bubble plot, higher the price)</a:t>
             </a:r>
           </a:p>
         </p:txBody>

--- a/Retail Landscape by State.pptx
+++ b/Retail Landscape by State.pptx
@@ -18,8 +18,9 @@
     <p:sldId id="273" r:id="rId12"/>
     <p:sldId id="271" r:id="rId13"/>
     <p:sldId id="272" r:id="rId14"/>
-    <p:sldId id="268" r:id="rId15"/>
-    <p:sldId id="264" r:id="rId16"/>
+    <p:sldId id="274" r:id="rId15"/>
+    <p:sldId id="268" r:id="rId16"/>
+    <p:sldId id="264" r:id="rId17"/>
   </p:sldIdLst>
   <p:sldSz cx="12192000" cy="6858000"/>
   <p:notesSz cx="6858000" cy="9144000"/>
@@ -10297,7 +10298,7 @@
             </a:spcAft>
             <a:buNone/>
           </a:pPr>
-          <a:endParaRPr lang="en-US" sz="2200" kern="1200"/>
+          <a:endParaRPr lang="en-US" sz="2200" kern="1200" dirty="0"/>
         </a:p>
       </dsp:txBody>
       <dsp:txXfrm rot="5400000">
@@ -29599,6 +29600,97 @@
           <a:p>
             <a:pPr algn="ctr"/>
             <a:r>
+              <a:rPr lang="en-US" dirty="0" err="1"/>
+              <a:t>Jupyter</a:t>
+            </a:r>
+            <a:r>
+              <a:rPr lang="en-US" dirty="0"/>
+              <a:t> Notebook</a:t>
+            </a:r>
+          </a:p>
+        </p:txBody>
+      </p:sp>
+      <p:pic>
+        <p:nvPicPr>
+          <p:cNvPr id="5" name="Content Placeholder 4">
+            <a:extLst>
+              <a:ext uri="{FF2B5EF4-FFF2-40B4-BE49-F238E27FC236}">
+                <a16:creationId xmlns:a16="http://schemas.microsoft.com/office/drawing/2014/main" id="{76AD4ADA-1F8F-406E-AA80-C6E61C7B7277}"/>
+              </a:ext>
+            </a:extLst>
+          </p:cNvPr>
+          <p:cNvPicPr>
+            <a:picLocks noGrp="1" noChangeAspect="1"/>
+          </p:cNvPicPr>
+          <p:nvPr>
+            <p:ph idx="1"/>
+          </p:nvPr>
+        </p:nvPicPr>
+        <p:blipFill rotWithShape="1">
+          <a:blip r:embed="rId2"/>
+          <a:srcRect r="67639"/>
+          <a:stretch/>
+        </p:blipFill>
+        <p:spPr>
+          <a:xfrm>
+            <a:off x="3712218" y="856735"/>
+            <a:ext cx="7847780" cy="4959179"/>
+          </a:xfrm>
+        </p:spPr>
+      </p:pic>
+    </p:spTree>
+    <p:extLst>
+      <p:ext uri="{BB962C8B-B14F-4D97-AF65-F5344CB8AC3E}">
+        <p14:creationId xmlns:p14="http://schemas.microsoft.com/office/powerpoint/2010/main" val="1906126464"/>
+      </p:ext>
+    </p:extLst>
+  </p:cSld>
+  <p:clrMapOvr>
+    <a:masterClrMapping/>
+  </p:clrMapOvr>
+</p:sld>
+</file>
+
+<file path=ppt/slides/slide15.xml><?xml version="1.0" encoding="utf-8"?>
+<p:sld xmlns:a="http://schemas.openxmlformats.org/drawingml/2006/main" xmlns:r="http://schemas.openxmlformats.org/officeDocument/2006/relationships" xmlns:p="http://schemas.openxmlformats.org/presentationml/2006/main">
+  <p:cSld>
+    <p:spTree>
+      <p:nvGrpSpPr>
+        <p:cNvPr id="1" name=""/>
+        <p:cNvGrpSpPr/>
+        <p:nvPr/>
+      </p:nvGrpSpPr>
+      <p:grpSpPr>
+        <a:xfrm>
+          <a:off x="0" y="0"/>
+          <a:ext cx="0" cy="0"/>
+          <a:chOff x="0" y="0"/>
+          <a:chExt cx="0" cy="0"/>
+        </a:xfrm>
+      </p:grpSpPr>
+      <p:sp>
+        <p:nvSpPr>
+          <p:cNvPr id="2" name="Title 1">
+            <a:extLst>
+              <a:ext uri="{FF2B5EF4-FFF2-40B4-BE49-F238E27FC236}">
+                <a16:creationId xmlns:a16="http://schemas.microsoft.com/office/drawing/2014/main" id="{B31529F1-5ACC-4B1D-BE32-C5305BD7FB29}"/>
+              </a:ext>
+            </a:extLst>
+          </p:cNvPr>
+          <p:cNvSpPr>
+            <a:spLocks noGrp="1"/>
+          </p:cNvSpPr>
+          <p:nvPr>
+            <p:ph type="title"/>
+          </p:nvPr>
+        </p:nvSpPr>
+        <p:spPr/>
+        <p:txBody>
+          <a:bodyPr/>
+          <a:lstStyle/>
+          <a:p>
+            <a:pPr algn="ctr"/>
+            <a:r>
               <a:rPr lang="en-US" dirty="0"/>
               <a:t>Outliers</a:t>
             </a:r>
@@ -29643,7 +29735,7 @@
 </p:sld>
 </file>
 
-<file path=ppt/slides/slide15.xml><?xml version="1.0" encoding="utf-8"?>
+<file path=ppt/slides/slide16.xml><?xml version="1.0" encoding="utf-8"?>
 <p:sld xmlns:a="http://schemas.openxmlformats.org/drawingml/2006/main" xmlns:r="http://schemas.openxmlformats.org/officeDocument/2006/relationships" xmlns:p="http://schemas.openxmlformats.org/presentationml/2006/main">
   <p:cSld>
     <p:spTree>

--- a/Retail Landscape by State.pptx
+++ b/Retail Landscape by State.pptx
@@ -15,9 +15,9 @@
     <p:sldId id="261" r:id="rId9"/>
     <p:sldId id="260" r:id="rId10"/>
     <p:sldId id="259" r:id="rId11"/>
-    <p:sldId id="273" r:id="rId12"/>
-    <p:sldId id="271" r:id="rId13"/>
-    <p:sldId id="272" r:id="rId14"/>
+    <p:sldId id="272" r:id="rId12"/>
+    <p:sldId id="273" r:id="rId13"/>
+    <p:sldId id="271" r:id="rId14"/>
     <p:sldId id="274" r:id="rId15"/>
     <p:sldId id="268" r:id="rId16"/>
     <p:sldId id="264" r:id="rId17"/>
@@ -28848,327 +28848,6 @@
       </p:grpSpPr>
       <p:sp>
         <p:nvSpPr>
-          <p:cNvPr id="2" name="Title 1">
-            <a:extLst>
-              <a:ext uri="{FF2B5EF4-FFF2-40B4-BE49-F238E27FC236}">
-                <a16:creationId xmlns:a16="http://schemas.microsoft.com/office/drawing/2014/main" id="{D03B7871-C11D-452D-ADB1-B0CD361EBCDC}"/>
-              </a:ext>
-            </a:extLst>
-          </p:cNvPr>
-          <p:cNvSpPr txBox="1">
-            <a:spLocks/>
-          </p:cNvSpPr>
-          <p:nvPr/>
-        </p:nvSpPr>
-        <p:spPr>
-          <a:xfrm>
-            <a:off x="838200" y="365125"/>
-            <a:ext cx="10515600" cy="1325563"/>
-          </a:xfrm>
-          <a:prstGeom prst="rect">
-            <a:avLst/>
-          </a:prstGeom>
-        </p:spPr>
-        <p:txBody>
-          <a:bodyPr vert="horz" lIns="91440" tIns="45720" rIns="91440" bIns="45720" rtlCol="0" anchor="ctr">
-            <a:normAutofit/>
-          </a:bodyPr>
-          <a:lstStyle>
-            <a:lvl1pPr algn="l" defTabSz="914400" rtl="0" eaLnBrk="1" latinLnBrk="0" hangingPunct="1">
-              <a:lnSpc>
-                <a:spcPct val="90000"/>
-              </a:lnSpc>
-              <a:spcBef>
-                <a:spcPct val="0"/>
-              </a:spcBef>
-              <a:buNone/>
-              <a:defRPr sz="3600" kern="1200" spc="-60" baseline="0">
-                <a:solidFill>
-                  <a:srgbClr val="FFFFFF"/>
-                </a:solidFill>
-                <a:latin typeface="+mj-lt"/>
-                <a:ea typeface="+mj-ea"/>
-                <a:cs typeface="+mj-cs"/>
-              </a:defRPr>
-            </a:lvl1pPr>
-          </a:lstStyle>
-          <a:p>
-            <a:endParaRPr lang="en-US" dirty="0">
-              <a:solidFill>
-                <a:schemeClr val="tx1"/>
-              </a:solidFill>
-            </a:endParaRPr>
-          </a:p>
-        </p:txBody>
-      </p:sp>
-      <p:pic>
-        <p:nvPicPr>
-          <p:cNvPr id="3" name="Content Placeholder 5">
-            <a:extLst>
-              <a:ext uri="{FF2B5EF4-FFF2-40B4-BE49-F238E27FC236}">
-                <a16:creationId xmlns:a16="http://schemas.microsoft.com/office/drawing/2014/main" id="{62B3D85C-371F-466D-A154-EEB9F940EDAC}"/>
-              </a:ext>
-            </a:extLst>
-          </p:cNvPr>
-          <p:cNvPicPr>
-            <a:picLocks noChangeAspect="1"/>
-          </p:cNvPicPr>
-          <p:nvPr/>
-        </p:nvPicPr>
-        <p:blipFill>
-          <a:blip r:embed="rId2">
-            <a:extLst>
-              <a:ext uri="{28A0092B-C50C-407E-A947-70E740481C1C}">
-                <a14:useLocalDpi xmlns:a14="http://schemas.microsoft.com/office/drawing/2010/main" val="0"/>
-              </a:ext>
-            </a:extLst>
-          </a:blip>
-          <a:stretch>
-            <a:fillRect/>
-          </a:stretch>
-        </p:blipFill>
-        <p:spPr>
-          <a:xfrm>
-            <a:off x="172994" y="1437266"/>
-            <a:ext cx="12019005" cy="2254669"/>
-          </a:xfrm>
-          <a:prstGeom prst="rect">
-            <a:avLst/>
-          </a:prstGeom>
-        </p:spPr>
-      </p:pic>
-      <p:pic>
-        <p:nvPicPr>
-          <p:cNvPr id="5" name="Picture 4">
-            <a:extLst>
-              <a:ext uri="{FF2B5EF4-FFF2-40B4-BE49-F238E27FC236}">
-                <a16:creationId xmlns:a16="http://schemas.microsoft.com/office/drawing/2014/main" id="{C79AD016-FC80-4B57-A0B9-03A94ECA2F11}"/>
-              </a:ext>
-            </a:extLst>
-          </p:cNvPr>
-          <p:cNvPicPr>
-            <a:picLocks noChangeAspect="1"/>
-          </p:cNvPicPr>
-          <p:nvPr/>
-        </p:nvPicPr>
-        <p:blipFill>
-          <a:blip r:embed="rId3"/>
-          <a:stretch>
-            <a:fillRect/>
-          </a:stretch>
-        </p:blipFill>
-        <p:spPr>
-          <a:xfrm>
-            <a:off x="172994" y="4006503"/>
-            <a:ext cx="11774543" cy="2486372"/>
-          </a:xfrm>
-          <a:prstGeom prst="rect">
-            <a:avLst/>
-          </a:prstGeom>
-        </p:spPr>
-      </p:pic>
-    </p:spTree>
-    <p:extLst>
-      <p:ext uri="{BB962C8B-B14F-4D97-AF65-F5344CB8AC3E}">
-        <p14:creationId xmlns:p14="http://schemas.microsoft.com/office/powerpoint/2010/main" val="1292599862"/>
-      </p:ext>
-    </p:extLst>
-  </p:cSld>
-  <p:clrMapOvr>
-    <a:masterClrMapping/>
-  </p:clrMapOvr>
-</p:sld>
-</file>
-
-<file path=ppt/slides/slide12.xml><?xml version="1.0" encoding="utf-8"?>
-<p:sld xmlns:a="http://schemas.openxmlformats.org/drawingml/2006/main" xmlns:r="http://schemas.openxmlformats.org/officeDocument/2006/relationships" xmlns:p="http://schemas.openxmlformats.org/presentationml/2006/main">
-  <p:cSld>
-    <p:spTree>
-      <p:nvGrpSpPr>
-        <p:cNvPr id="1" name=""/>
-        <p:cNvGrpSpPr/>
-        <p:nvPr/>
-      </p:nvGrpSpPr>
-      <p:grpSpPr>
-        <a:xfrm>
-          <a:off x="0" y="0"/>
-          <a:ext cx="0" cy="0"/>
-          <a:chOff x="0" y="0"/>
-          <a:chExt cx="0" cy="0"/>
-        </a:xfrm>
-      </p:grpSpPr>
-      <p:sp>
-        <p:nvSpPr>
-          <p:cNvPr id="4" name="Content Placeholder 3">
-            <a:extLst>
-              <a:ext uri="{FF2B5EF4-FFF2-40B4-BE49-F238E27FC236}">
-                <a16:creationId xmlns:a16="http://schemas.microsoft.com/office/drawing/2014/main" id="{E3D213CA-79C0-42D2-A7A5-4B0B2BC011B1}"/>
-              </a:ext>
-            </a:extLst>
-          </p:cNvPr>
-          <p:cNvSpPr>
-            <a:spLocks noGrp="1"/>
-          </p:cNvSpPr>
-          <p:nvPr>
-            <p:ph sz="half" idx="2"/>
-          </p:nvPr>
-        </p:nvSpPr>
-        <p:spPr>
-          <a:xfrm>
-            <a:off x="8732520" y="867348"/>
-            <a:ext cx="3474720" cy="5120640"/>
-          </a:xfrm>
-        </p:spPr>
-        <p:txBody>
-          <a:bodyPr/>
-          <a:lstStyle/>
-          <a:p>
-            <a:r>
-              <a:rPr lang="en-US" dirty="0"/>
-              <a:t>X axis – Number of Stores</a:t>
-            </a:r>
-          </a:p>
-          <a:p>
-            <a:r>
-              <a:rPr lang="en-US" dirty="0"/>
-              <a:t>Y axis – </a:t>
-            </a:r>
-            <a:r>
-              <a:rPr lang="en-US" dirty="0" err="1"/>
-              <a:t>Zipcodes</a:t>
-            </a:r>
-            <a:endParaRPr lang="en-US" dirty="0"/>
-          </a:p>
-          <a:p>
-            <a:r>
-              <a:rPr lang="en-US" dirty="0"/>
-              <a:t>Size – Housing Price (Larger the Bubble plot, higher the price)</a:t>
-            </a:r>
-          </a:p>
-        </p:txBody>
-      </p:sp>
-      <p:pic>
-        <p:nvPicPr>
-          <p:cNvPr id="8" name="Content Placeholder 7">
-            <a:extLst>
-              <a:ext uri="{FF2B5EF4-FFF2-40B4-BE49-F238E27FC236}">
-                <a16:creationId xmlns:a16="http://schemas.microsoft.com/office/drawing/2014/main" id="{AFA376C7-44E3-418C-B00A-0E1926CFE196}"/>
-              </a:ext>
-            </a:extLst>
-          </p:cNvPr>
-          <p:cNvPicPr>
-            <a:picLocks noGrp="1" noChangeAspect="1"/>
-          </p:cNvPicPr>
-          <p:nvPr>
-            <p:ph sz="half" idx="1"/>
-          </p:nvPr>
-        </p:nvPicPr>
-        <p:blipFill>
-          <a:blip r:embed="rId2">
-            <a:extLst>
-              <a:ext uri="{28A0092B-C50C-407E-A947-70E740481C1C}">
-                <a14:useLocalDpi xmlns:a14="http://schemas.microsoft.com/office/drawing/2010/main" val="0"/>
-              </a:ext>
-            </a:extLst>
-          </a:blip>
-          <a:stretch>
-            <a:fillRect/>
-          </a:stretch>
-        </p:blipFill>
-        <p:spPr>
-          <a:xfrm>
-            <a:off x="3550920" y="868680"/>
-            <a:ext cx="5181600" cy="5606956"/>
-          </a:xfrm>
-        </p:spPr>
-      </p:pic>
-      <p:sp>
-        <p:nvSpPr>
-          <p:cNvPr id="5" name="Title 1">
-            <a:extLst>
-              <a:ext uri="{FF2B5EF4-FFF2-40B4-BE49-F238E27FC236}">
-                <a16:creationId xmlns:a16="http://schemas.microsoft.com/office/drawing/2014/main" id="{BCD7931C-87C0-4606-B2B5-4F8B16906F71}"/>
-              </a:ext>
-            </a:extLst>
-          </p:cNvPr>
-          <p:cNvSpPr txBox="1">
-            <a:spLocks/>
-          </p:cNvSpPr>
-          <p:nvPr/>
-        </p:nvSpPr>
-        <p:spPr>
-          <a:xfrm>
-            <a:off x="252919" y="1123837"/>
-            <a:ext cx="2947482" cy="4601183"/>
-          </a:xfrm>
-          <a:prstGeom prst="rect">
-            <a:avLst/>
-          </a:prstGeom>
-        </p:spPr>
-        <p:txBody>
-          <a:bodyPr vert="horz" lIns="91440" tIns="45720" rIns="91440" bIns="45720" rtlCol="0" anchor="ctr">
-            <a:normAutofit/>
-          </a:bodyPr>
-          <a:lstStyle>
-            <a:lvl1pPr algn="l" defTabSz="914400" rtl="0" eaLnBrk="1" latinLnBrk="0" hangingPunct="1">
-              <a:lnSpc>
-                <a:spcPct val="90000"/>
-              </a:lnSpc>
-              <a:spcBef>
-                <a:spcPct val="0"/>
-              </a:spcBef>
-              <a:buNone/>
-              <a:defRPr sz="3600" kern="1200" spc="-60" baseline="0">
-                <a:solidFill>
-                  <a:srgbClr val="FFFFFF"/>
-                </a:solidFill>
-                <a:latin typeface="+mj-lt"/>
-                <a:ea typeface="+mj-ea"/>
-                <a:cs typeface="+mj-cs"/>
-              </a:defRPr>
-            </a:lvl1pPr>
-          </a:lstStyle>
-          <a:p>
-            <a:pPr algn="ctr"/>
-            <a:r>
-              <a:rPr lang="en-US" dirty="0"/>
-              <a:t>Housing Price by Zip Code, Store Count</a:t>
-            </a:r>
-          </a:p>
-        </p:txBody>
-      </p:sp>
-    </p:spTree>
-    <p:extLst>
-      <p:ext uri="{BB962C8B-B14F-4D97-AF65-F5344CB8AC3E}">
-        <p14:creationId xmlns:p14="http://schemas.microsoft.com/office/powerpoint/2010/main" val="962665500"/>
-      </p:ext>
-    </p:extLst>
-  </p:cSld>
-  <p:clrMapOvr>
-    <a:masterClrMapping/>
-  </p:clrMapOvr>
-</p:sld>
-</file>
-
-<file path=ppt/slides/slide13.xml><?xml version="1.0" encoding="utf-8"?>
-<p:sld xmlns:a="http://schemas.openxmlformats.org/drawingml/2006/main" xmlns:r="http://schemas.openxmlformats.org/officeDocument/2006/relationships" xmlns:p="http://schemas.openxmlformats.org/presentationml/2006/main">
-  <p:cSld>
-    <p:spTree>
-      <p:nvGrpSpPr>
-        <p:cNvPr id="1" name=""/>
-        <p:cNvGrpSpPr/>
-        <p:nvPr/>
-      </p:nvGrpSpPr>
-      <p:grpSpPr>
-        <a:xfrm>
-          <a:off x="0" y="0"/>
-          <a:ext cx="0" cy="0"/>
-          <a:chOff x="0" y="0"/>
-          <a:chExt cx="0" cy="0"/>
-        </a:xfrm>
-      </p:grpSpPr>
-      <p:sp>
-        <p:nvSpPr>
           <p:cNvPr id="5" name="Title 1">
             <a:extLst>
               <a:ext uri="{FF2B5EF4-FFF2-40B4-BE49-F238E27FC236}">
@@ -29551,6 +29230,327 @@
     <p:extLst>
       <p:ext uri="{BB962C8B-B14F-4D97-AF65-F5344CB8AC3E}">
         <p14:creationId xmlns:p14="http://schemas.microsoft.com/office/powerpoint/2010/main" val="400923670"/>
+      </p:ext>
+    </p:extLst>
+  </p:cSld>
+  <p:clrMapOvr>
+    <a:masterClrMapping/>
+  </p:clrMapOvr>
+</p:sld>
+</file>
+
+<file path=ppt/slides/slide12.xml><?xml version="1.0" encoding="utf-8"?>
+<p:sld xmlns:a="http://schemas.openxmlformats.org/drawingml/2006/main" xmlns:r="http://schemas.openxmlformats.org/officeDocument/2006/relationships" xmlns:p="http://schemas.openxmlformats.org/presentationml/2006/main">
+  <p:cSld>
+    <p:spTree>
+      <p:nvGrpSpPr>
+        <p:cNvPr id="1" name=""/>
+        <p:cNvGrpSpPr/>
+        <p:nvPr/>
+      </p:nvGrpSpPr>
+      <p:grpSpPr>
+        <a:xfrm>
+          <a:off x="0" y="0"/>
+          <a:ext cx="0" cy="0"/>
+          <a:chOff x="0" y="0"/>
+          <a:chExt cx="0" cy="0"/>
+        </a:xfrm>
+      </p:grpSpPr>
+      <p:sp>
+        <p:nvSpPr>
+          <p:cNvPr id="2" name="Title 1">
+            <a:extLst>
+              <a:ext uri="{FF2B5EF4-FFF2-40B4-BE49-F238E27FC236}">
+                <a16:creationId xmlns:a16="http://schemas.microsoft.com/office/drawing/2014/main" id="{D03B7871-C11D-452D-ADB1-B0CD361EBCDC}"/>
+              </a:ext>
+            </a:extLst>
+          </p:cNvPr>
+          <p:cNvSpPr txBox="1">
+            <a:spLocks/>
+          </p:cNvSpPr>
+          <p:nvPr/>
+        </p:nvSpPr>
+        <p:spPr>
+          <a:xfrm>
+            <a:off x="838200" y="365125"/>
+            <a:ext cx="10515600" cy="1325563"/>
+          </a:xfrm>
+          <a:prstGeom prst="rect">
+            <a:avLst/>
+          </a:prstGeom>
+        </p:spPr>
+        <p:txBody>
+          <a:bodyPr vert="horz" lIns="91440" tIns="45720" rIns="91440" bIns="45720" rtlCol="0" anchor="ctr">
+            <a:normAutofit/>
+          </a:bodyPr>
+          <a:lstStyle>
+            <a:lvl1pPr algn="l" defTabSz="914400" rtl="0" eaLnBrk="1" latinLnBrk="0" hangingPunct="1">
+              <a:lnSpc>
+                <a:spcPct val="90000"/>
+              </a:lnSpc>
+              <a:spcBef>
+                <a:spcPct val="0"/>
+              </a:spcBef>
+              <a:buNone/>
+              <a:defRPr sz="3600" kern="1200" spc="-60" baseline="0">
+                <a:solidFill>
+                  <a:srgbClr val="FFFFFF"/>
+                </a:solidFill>
+                <a:latin typeface="+mj-lt"/>
+                <a:ea typeface="+mj-ea"/>
+                <a:cs typeface="+mj-cs"/>
+              </a:defRPr>
+            </a:lvl1pPr>
+          </a:lstStyle>
+          <a:p>
+            <a:endParaRPr lang="en-US" dirty="0">
+              <a:solidFill>
+                <a:schemeClr val="tx1"/>
+              </a:solidFill>
+            </a:endParaRPr>
+          </a:p>
+        </p:txBody>
+      </p:sp>
+      <p:pic>
+        <p:nvPicPr>
+          <p:cNvPr id="3" name="Content Placeholder 5">
+            <a:extLst>
+              <a:ext uri="{FF2B5EF4-FFF2-40B4-BE49-F238E27FC236}">
+                <a16:creationId xmlns:a16="http://schemas.microsoft.com/office/drawing/2014/main" id="{62B3D85C-371F-466D-A154-EEB9F940EDAC}"/>
+              </a:ext>
+            </a:extLst>
+          </p:cNvPr>
+          <p:cNvPicPr>
+            <a:picLocks noChangeAspect="1"/>
+          </p:cNvPicPr>
+          <p:nvPr/>
+        </p:nvPicPr>
+        <p:blipFill>
+          <a:blip r:embed="rId2">
+            <a:extLst>
+              <a:ext uri="{28A0092B-C50C-407E-A947-70E740481C1C}">
+                <a14:useLocalDpi xmlns:a14="http://schemas.microsoft.com/office/drawing/2010/main" val="0"/>
+              </a:ext>
+            </a:extLst>
+          </a:blip>
+          <a:stretch>
+            <a:fillRect/>
+          </a:stretch>
+        </p:blipFill>
+        <p:spPr>
+          <a:xfrm>
+            <a:off x="172994" y="1437266"/>
+            <a:ext cx="12019005" cy="2254669"/>
+          </a:xfrm>
+          <a:prstGeom prst="rect">
+            <a:avLst/>
+          </a:prstGeom>
+        </p:spPr>
+      </p:pic>
+      <p:pic>
+        <p:nvPicPr>
+          <p:cNvPr id="5" name="Picture 4">
+            <a:extLst>
+              <a:ext uri="{FF2B5EF4-FFF2-40B4-BE49-F238E27FC236}">
+                <a16:creationId xmlns:a16="http://schemas.microsoft.com/office/drawing/2014/main" id="{C79AD016-FC80-4B57-A0B9-03A94ECA2F11}"/>
+              </a:ext>
+            </a:extLst>
+          </p:cNvPr>
+          <p:cNvPicPr>
+            <a:picLocks noChangeAspect="1"/>
+          </p:cNvPicPr>
+          <p:nvPr/>
+        </p:nvPicPr>
+        <p:blipFill>
+          <a:blip r:embed="rId3"/>
+          <a:stretch>
+            <a:fillRect/>
+          </a:stretch>
+        </p:blipFill>
+        <p:spPr>
+          <a:xfrm>
+            <a:off x="74141" y="4016199"/>
+            <a:ext cx="11862486" cy="2504942"/>
+          </a:xfrm>
+          <a:prstGeom prst="rect">
+            <a:avLst/>
+          </a:prstGeom>
+        </p:spPr>
+      </p:pic>
+    </p:spTree>
+    <p:extLst>
+      <p:ext uri="{BB962C8B-B14F-4D97-AF65-F5344CB8AC3E}">
+        <p14:creationId xmlns:p14="http://schemas.microsoft.com/office/powerpoint/2010/main" val="1292599862"/>
+      </p:ext>
+    </p:extLst>
+  </p:cSld>
+  <p:clrMapOvr>
+    <a:masterClrMapping/>
+  </p:clrMapOvr>
+</p:sld>
+</file>
+
+<file path=ppt/slides/slide13.xml><?xml version="1.0" encoding="utf-8"?>
+<p:sld xmlns:a="http://schemas.openxmlformats.org/drawingml/2006/main" xmlns:r="http://schemas.openxmlformats.org/officeDocument/2006/relationships" xmlns:p="http://schemas.openxmlformats.org/presentationml/2006/main">
+  <p:cSld>
+    <p:spTree>
+      <p:nvGrpSpPr>
+        <p:cNvPr id="1" name=""/>
+        <p:cNvGrpSpPr/>
+        <p:nvPr/>
+      </p:nvGrpSpPr>
+      <p:grpSpPr>
+        <a:xfrm>
+          <a:off x="0" y="0"/>
+          <a:ext cx="0" cy="0"/>
+          <a:chOff x="0" y="0"/>
+          <a:chExt cx="0" cy="0"/>
+        </a:xfrm>
+      </p:grpSpPr>
+      <p:sp>
+        <p:nvSpPr>
+          <p:cNvPr id="4" name="Content Placeholder 3">
+            <a:extLst>
+              <a:ext uri="{FF2B5EF4-FFF2-40B4-BE49-F238E27FC236}">
+                <a16:creationId xmlns:a16="http://schemas.microsoft.com/office/drawing/2014/main" id="{E3D213CA-79C0-42D2-A7A5-4B0B2BC011B1}"/>
+              </a:ext>
+            </a:extLst>
+          </p:cNvPr>
+          <p:cNvSpPr>
+            <a:spLocks noGrp="1"/>
+          </p:cNvSpPr>
+          <p:nvPr>
+            <p:ph sz="half" idx="2"/>
+          </p:nvPr>
+        </p:nvSpPr>
+        <p:spPr>
+          <a:xfrm>
+            <a:off x="8732520" y="867348"/>
+            <a:ext cx="3474720" cy="5120640"/>
+          </a:xfrm>
+        </p:spPr>
+        <p:txBody>
+          <a:bodyPr/>
+          <a:lstStyle/>
+          <a:p>
+            <a:r>
+              <a:rPr lang="en-US" dirty="0"/>
+              <a:t>X axis – Number of Stores</a:t>
+            </a:r>
+          </a:p>
+          <a:p>
+            <a:r>
+              <a:rPr lang="en-US" dirty="0"/>
+              <a:t>Y axis – </a:t>
+            </a:r>
+            <a:r>
+              <a:rPr lang="en-US" dirty="0" err="1"/>
+              <a:t>Zipcodes</a:t>
+            </a:r>
+            <a:endParaRPr lang="en-US" dirty="0"/>
+          </a:p>
+          <a:p>
+            <a:r>
+              <a:rPr lang="en-US" dirty="0"/>
+              <a:t>Size – Housing Price (Larger the Bubble plot, higher the price)</a:t>
+            </a:r>
+          </a:p>
+        </p:txBody>
+      </p:sp>
+      <p:pic>
+        <p:nvPicPr>
+          <p:cNvPr id="8" name="Content Placeholder 7">
+            <a:extLst>
+              <a:ext uri="{FF2B5EF4-FFF2-40B4-BE49-F238E27FC236}">
+                <a16:creationId xmlns:a16="http://schemas.microsoft.com/office/drawing/2014/main" id="{AFA376C7-44E3-418C-B00A-0E1926CFE196}"/>
+              </a:ext>
+            </a:extLst>
+          </p:cNvPr>
+          <p:cNvPicPr>
+            <a:picLocks noGrp="1" noChangeAspect="1"/>
+          </p:cNvPicPr>
+          <p:nvPr>
+            <p:ph sz="half" idx="1"/>
+          </p:nvPr>
+        </p:nvPicPr>
+        <p:blipFill>
+          <a:blip r:embed="rId2">
+            <a:extLst>
+              <a:ext uri="{28A0092B-C50C-407E-A947-70E740481C1C}">
+                <a14:useLocalDpi xmlns:a14="http://schemas.microsoft.com/office/drawing/2010/main" val="0"/>
+              </a:ext>
+            </a:extLst>
+          </a:blip>
+          <a:stretch>
+            <a:fillRect/>
+          </a:stretch>
+        </p:blipFill>
+        <p:spPr>
+          <a:xfrm>
+            <a:off x="3550920" y="868680"/>
+            <a:ext cx="5181600" cy="5606956"/>
+          </a:xfrm>
+        </p:spPr>
+      </p:pic>
+      <p:sp>
+        <p:nvSpPr>
+          <p:cNvPr id="5" name="Title 1">
+            <a:extLst>
+              <a:ext uri="{FF2B5EF4-FFF2-40B4-BE49-F238E27FC236}">
+                <a16:creationId xmlns:a16="http://schemas.microsoft.com/office/drawing/2014/main" id="{BCD7931C-87C0-4606-B2B5-4F8B16906F71}"/>
+              </a:ext>
+            </a:extLst>
+          </p:cNvPr>
+          <p:cNvSpPr txBox="1">
+            <a:spLocks/>
+          </p:cNvSpPr>
+          <p:nvPr/>
+        </p:nvSpPr>
+        <p:spPr>
+          <a:xfrm>
+            <a:off x="252919" y="1123837"/>
+            <a:ext cx="2947482" cy="4601183"/>
+          </a:xfrm>
+          <a:prstGeom prst="rect">
+            <a:avLst/>
+          </a:prstGeom>
+        </p:spPr>
+        <p:txBody>
+          <a:bodyPr vert="horz" lIns="91440" tIns="45720" rIns="91440" bIns="45720" rtlCol="0" anchor="ctr">
+            <a:normAutofit/>
+          </a:bodyPr>
+          <a:lstStyle>
+            <a:lvl1pPr algn="l" defTabSz="914400" rtl="0" eaLnBrk="1" latinLnBrk="0" hangingPunct="1">
+              <a:lnSpc>
+                <a:spcPct val="90000"/>
+              </a:lnSpc>
+              <a:spcBef>
+                <a:spcPct val="0"/>
+              </a:spcBef>
+              <a:buNone/>
+              <a:defRPr sz="3600" kern="1200" spc="-60" baseline="0">
+                <a:solidFill>
+                  <a:srgbClr val="FFFFFF"/>
+                </a:solidFill>
+                <a:latin typeface="+mj-lt"/>
+                <a:ea typeface="+mj-ea"/>
+                <a:cs typeface="+mj-cs"/>
+              </a:defRPr>
+            </a:lvl1pPr>
+          </a:lstStyle>
+          <a:p>
+            <a:pPr algn="ctr"/>
+            <a:r>
+              <a:rPr lang="en-US" dirty="0"/>
+              <a:t>Housing Price by Zip Code, Store Count</a:t>
+            </a:r>
+          </a:p>
+        </p:txBody>
+      </p:sp>
+    </p:spTree>
+    <p:extLst>
+      <p:ext uri="{BB962C8B-B14F-4D97-AF65-F5344CB8AC3E}">
+        <p14:creationId xmlns:p14="http://schemas.microsoft.com/office/powerpoint/2010/main" val="962665500"/>
       </p:ext>
     </p:extLst>
   </p:cSld>
